--- a/Documentation/P7_04_Présentation.pptx
+++ b/Documentation/P7_04_Présentation.pptx
@@ -278,7 +278,7 @@
           <a:p>
             <a:fld id="{031E606A-FED5-4545-9851-5AFDEBEF6356}" type="datetimeFigureOut">
               <a:rPr lang="fr-FR" smtClean="0"/>
-              <a:t>24/03/2022</a:t>
+              <a:t>28/03/2022</a:t>
             </a:fld>
             <a:endParaRPr lang="fr-FR"/>
           </a:p>
@@ -476,7 +476,7 @@
           <a:p>
             <a:fld id="{031E606A-FED5-4545-9851-5AFDEBEF6356}" type="datetimeFigureOut">
               <a:rPr lang="fr-FR" smtClean="0"/>
-              <a:t>24/03/2022</a:t>
+              <a:t>28/03/2022</a:t>
             </a:fld>
             <a:endParaRPr lang="fr-FR"/>
           </a:p>
@@ -684,7 +684,7 @@
           <a:p>
             <a:fld id="{031E606A-FED5-4545-9851-5AFDEBEF6356}" type="datetimeFigureOut">
               <a:rPr lang="fr-FR" smtClean="0"/>
-              <a:t>24/03/2022</a:t>
+              <a:t>28/03/2022</a:t>
             </a:fld>
             <a:endParaRPr lang="fr-FR"/>
           </a:p>
@@ -882,7 +882,7 @@
           <a:p>
             <a:fld id="{031E606A-FED5-4545-9851-5AFDEBEF6356}" type="datetimeFigureOut">
               <a:rPr lang="fr-FR" smtClean="0"/>
-              <a:t>24/03/2022</a:t>
+              <a:t>28/03/2022</a:t>
             </a:fld>
             <a:endParaRPr lang="fr-FR"/>
           </a:p>
@@ -1157,7 +1157,7 @@
           <a:p>
             <a:fld id="{031E606A-FED5-4545-9851-5AFDEBEF6356}" type="datetimeFigureOut">
               <a:rPr lang="fr-FR" smtClean="0"/>
-              <a:t>24/03/2022</a:t>
+              <a:t>28/03/2022</a:t>
             </a:fld>
             <a:endParaRPr lang="fr-FR"/>
           </a:p>
@@ -1422,7 +1422,7 @@
           <a:p>
             <a:fld id="{031E606A-FED5-4545-9851-5AFDEBEF6356}" type="datetimeFigureOut">
               <a:rPr lang="fr-FR" smtClean="0"/>
-              <a:t>24/03/2022</a:t>
+              <a:t>28/03/2022</a:t>
             </a:fld>
             <a:endParaRPr lang="fr-FR"/>
           </a:p>
@@ -1834,7 +1834,7 @@
           <a:p>
             <a:fld id="{031E606A-FED5-4545-9851-5AFDEBEF6356}" type="datetimeFigureOut">
               <a:rPr lang="fr-FR" smtClean="0"/>
-              <a:t>24/03/2022</a:t>
+              <a:t>28/03/2022</a:t>
             </a:fld>
             <a:endParaRPr lang="fr-FR"/>
           </a:p>
@@ -1975,7 +1975,7 @@
           <a:p>
             <a:fld id="{031E606A-FED5-4545-9851-5AFDEBEF6356}" type="datetimeFigureOut">
               <a:rPr lang="fr-FR" smtClean="0"/>
-              <a:t>24/03/2022</a:t>
+              <a:t>28/03/2022</a:t>
             </a:fld>
             <a:endParaRPr lang="fr-FR"/>
           </a:p>
@@ -2088,7 +2088,7 @@
           <a:p>
             <a:fld id="{031E606A-FED5-4545-9851-5AFDEBEF6356}" type="datetimeFigureOut">
               <a:rPr lang="fr-FR" smtClean="0"/>
-              <a:t>24/03/2022</a:t>
+              <a:t>28/03/2022</a:t>
             </a:fld>
             <a:endParaRPr lang="fr-FR"/>
           </a:p>
@@ -2399,7 +2399,7 @@
           <a:p>
             <a:fld id="{031E606A-FED5-4545-9851-5AFDEBEF6356}" type="datetimeFigureOut">
               <a:rPr lang="fr-FR" smtClean="0"/>
-              <a:t>24/03/2022</a:t>
+              <a:t>28/03/2022</a:t>
             </a:fld>
             <a:endParaRPr lang="fr-FR"/>
           </a:p>
@@ -2687,7 +2687,7 @@
           <a:p>
             <a:fld id="{031E606A-FED5-4545-9851-5AFDEBEF6356}" type="datetimeFigureOut">
               <a:rPr lang="fr-FR" smtClean="0"/>
-              <a:t>24/03/2022</a:t>
+              <a:t>28/03/2022</a:t>
             </a:fld>
             <a:endParaRPr lang="fr-FR"/>
           </a:p>
@@ -2928,7 +2928,7 @@
           <a:p>
             <a:fld id="{031E606A-FED5-4545-9851-5AFDEBEF6356}" type="datetimeFigureOut">
               <a:rPr lang="fr-FR" smtClean="0"/>
-              <a:t>24/03/2022</a:t>
+              <a:t>28/03/2022</a:t>
             </a:fld>
             <a:endParaRPr lang="fr-FR"/>
           </a:p>
@@ -6520,7 +6520,7 @@
           <a:lstStyle/>
           <a:p>
             <a:pPr algn="ctr"/>
-            <a:endParaRPr lang="fr-FR"/>
+            <a:endParaRPr lang="fr-FR" dirty="0"/>
           </a:p>
         </p:txBody>
       </p:sp>
@@ -6577,7 +6577,7 @@
         </p:nvSpPr>
         <p:spPr>
           <a:xfrm>
-            <a:off x="1331650" y="3051699"/>
+            <a:off x="2183907" y="3006685"/>
             <a:ext cx="1305018" cy="1358284"/>
           </a:xfrm>
           <a:prstGeom prst="rect">
@@ -6610,54 +6610,8 @@
               <a:t>Dashboard</a:t>
             </a:r>
           </a:p>
-          <a:p>
-            <a:pPr algn="ctr"/>
-            <a:r>
-              <a:rPr lang="fr-FR" dirty="0"/>
-              <a:t>ID client</a:t>
-            </a:r>
-          </a:p>
-        </p:txBody>
-      </p:sp>
-      <p:cxnSp>
-        <p:nvCxnSpPr>
-          <p:cNvPr id="7" name="Connecteur droit avec flèche 6">
-            <a:extLst>
-              <a:ext uri="{FF2B5EF4-FFF2-40B4-BE49-F238E27FC236}">
-                <a16:creationId xmlns:a16="http://schemas.microsoft.com/office/drawing/2014/main" id="{689A6001-830D-4075-9F91-BAA02C851EA9}"/>
-              </a:ext>
-            </a:extLst>
-          </p:cNvPr>
-          <p:cNvCxnSpPr/>
-          <p:nvPr/>
-        </p:nvCxnSpPr>
-        <p:spPr>
-          <a:xfrm flipV="1">
-            <a:off x="2902998" y="2849732"/>
-            <a:ext cx="656948" cy="976544"/>
-          </a:xfrm>
-          <a:prstGeom prst="straightConnector1">
-            <a:avLst/>
-          </a:prstGeom>
-          <a:ln>
-            <a:tailEnd type="triangle"/>
-          </a:ln>
-        </p:spPr>
-        <p:style>
-          <a:lnRef idx="1">
-            <a:schemeClr val="accent1"/>
-          </a:lnRef>
-          <a:fillRef idx="0">
-            <a:schemeClr val="accent1"/>
-          </a:fillRef>
-          <a:effectRef idx="0">
-            <a:schemeClr val="accent1"/>
-          </a:effectRef>
-          <a:fontRef idx="minor">
-            <a:schemeClr val="tx1"/>
-          </a:fontRef>
-        </p:style>
-      </p:cxnSp>
+        </p:txBody>
+      </p:sp>
       <p:sp>
         <p:nvSpPr>
           <p:cNvPr id="8" name="Rectangle 7">
@@ -6672,7 +6626,7 @@
         </p:nvSpPr>
         <p:spPr>
           <a:xfrm>
-            <a:off x="3870664" y="2246050"/>
+            <a:off x="4900474" y="3399525"/>
             <a:ext cx="1429305" cy="976544"/>
           </a:xfrm>
           <a:prstGeom prst="rect">
@@ -6681,15 +6635,15 @@
         </p:spPr>
         <p:style>
           <a:lnRef idx="2">
-            <a:schemeClr val="accent1">
+            <a:schemeClr val="dk1">
               <a:shade val="50000"/>
             </a:schemeClr>
           </a:lnRef>
           <a:fillRef idx="1">
-            <a:schemeClr val="accent1"/>
+            <a:schemeClr val="dk1"/>
           </a:fillRef>
           <a:effectRef idx="0">
-            <a:schemeClr val="accent1"/>
+            <a:schemeClr val="dk1"/>
           </a:effectRef>
           <a:fontRef idx="minor">
             <a:schemeClr val="lt1"/>
@@ -6705,12 +6659,542 @@
               <a:t>API </a:t>
             </a:r>
           </a:p>
+        </p:txBody>
+      </p:sp>
+      <p:pic>
+        <p:nvPicPr>
+          <p:cNvPr id="9" name="Picture 4" descr="Brand • Streamlit">
+            <a:extLst>
+              <a:ext uri="{FF2B5EF4-FFF2-40B4-BE49-F238E27FC236}">
+                <a16:creationId xmlns:a16="http://schemas.microsoft.com/office/drawing/2014/main" id="{3603E9AF-AB52-4231-85F9-44749841D77B}"/>
+              </a:ext>
+            </a:extLst>
+          </p:cNvPr>
+          <p:cNvPicPr>
+            <a:picLocks noChangeAspect="1" noChangeArrowheads="1"/>
+          </p:cNvPicPr>
+          <p:nvPr/>
+        </p:nvPicPr>
+        <p:blipFill>
+          <a:blip r:embed="rId2">
+            <a:extLst>
+              <a:ext uri="{28A0092B-C50C-407E-A947-70E740481C1C}">
+                <a14:useLocalDpi xmlns:a14="http://schemas.microsoft.com/office/drawing/2010/main" val="0"/>
+              </a:ext>
+            </a:extLst>
+          </a:blip>
+          <a:srcRect/>
+          <a:stretch>
+            <a:fillRect/>
+          </a:stretch>
+        </p:blipFill>
+        <p:spPr bwMode="auto">
+          <a:xfrm>
+            <a:off x="2183907" y="2243186"/>
+            <a:ext cx="1305018" cy="763499"/>
+          </a:xfrm>
+          <a:prstGeom prst="rect">
+            <a:avLst/>
+          </a:prstGeom>
+          <a:noFill/>
+          <a:extLst>
+            <a:ext uri="{909E8E84-426E-40DD-AFC4-6F175D3DCCD1}">
+              <a14:hiddenFill xmlns:a14="http://schemas.microsoft.com/office/drawing/2010/main">
+                <a:solidFill>
+                  <a:srgbClr val="FFFFFF"/>
+                </a:solidFill>
+              </a14:hiddenFill>
+            </a:ext>
+          </a:extLst>
+        </p:spPr>
+      </p:pic>
+      <p:pic>
+        <p:nvPicPr>
+          <p:cNvPr id="10" name="Picture 8">
+            <a:extLst>
+              <a:ext uri="{FF2B5EF4-FFF2-40B4-BE49-F238E27FC236}">
+                <a16:creationId xmlns:a16="http://schemas.microsoft.com/office/drawing/2014/main" id="{3D5CB0D6-D53D-4BED-BE00-CF8711F71B5C}"/>
+              </a:ext>
+            </a:extLst>
+          </p:cNvPr>
+          <p:cNvPicPr>
+            <a:picLocks noChangeAspect="1" noChangeArrowheads="1"/>
+          </p:cNvPicPr>
+          <p:nvPr/>
+        </p:nvPicPr>
+        <p:blipFill>
+          <a:blip r:embed="rId3">
+            <a:extLst>
+              <a:ext uri="{28A0092B-C50C-407E-A947-70E740481C1C}">
+                <a14:useLocalDpi xmlns:a14="http://schemas.microsoft.com/office/drawing/2010/main" val="0"/>
+              </a:ext>
+            </a:extLst>
+          </a:blip>
+          <a:srcRect/>
+          <a:stretch>
+            <a:fillRect/>
+          </a:stretch>
+        </p:blipFill>
+        <p:spPr bwMode="auto">
+          <a:xfrm>
+            <a:off x="5042516" y="2953068"/>
+            <a:ext cx="1145220" cy="320304"/>
+          </a:xfrm>
+          <a:prstGeom prst="rect">
+            <a:avLst/>
+          </a:prstGeom>
+          <a:noFill/>
+          <a:extLst>
+            <a:ext uri="{909E8E84-426E-40DD-AFC4-6F175D3DCCD1}">
+              <a14:hiddenFill xmlns:a14="http://schemas.microsoft.com/office/drawing/2010/main">
+                <a:solidFill>
+                  <a:srgbClr val="FFFFFF"/>
+                </a:solidFill>
+              </a14:hiddenFill>
+            </a:ext>
+          </a:extLst>
+        </p:spPr>
+      </p:pic>
+      <p:sp>
+        <p:nvSpPr>
+          <p:cNvPr id="11" name="Rectangle 10">
+            <a:extLst>
+              <a:ext uri="{FF2B5EF4-FFF2-40B4-BE49-F238E27FC236}">
+                <a16:creationId xmlns:a16="http://schemas.microsoft.com/office/drawing/2014/main" id="{73D308ED-F7F4-4C72-B00B-2E26CCE49793}"/>
+              </a:ext>
+            </a:extLst>
+          </p:cNvPr>
+          <p:cNvSpPr/>
+          <p:nvPr/>
+        </p:nvSpPr>
+        <p:spPr>
+          <a:xfrm>
+            <a:off x="3755255" y="2986711"/>
+            <a:ext cx="878889" cy="616988"/>
+          </a:xfrm>
+          <a:prstGeom prst="rect">
+            <a:avLst/>
+          </a:prstGeom>
+        </p:spPr>
+        <p:style>
+          <a:lnRef idx="2">
+            <a:schemeClr val="dk1">
+              <a:shade val="50000"/>
+            </a:schemeClr>
+          </a:lnRef>
+          <a:fillRef idx="1">
+            <a:schemeClr val="dk1"/>
+          </a:fillRef>
+          <a:effectRef idx="0">
+            <a:schemeClr val="dk1"/>
+          </a:effectRef>
+          <a:fontRef idx="minor">
+            <a:schemeClr val="lt1"/>
+          </a:fontRef>
+        </p:style>
+        <p:txBody>
+          <a:bodyPr rtlCol="0" anchor="ctr"/>
+          <a:lstStyle/>
           <a:p>
             <a:pPr algn="ctr"/>
             <a:r>
               <a:rPr lang="fr-FR" dirty="0"/>
-              <a:t>….</a:t>
-            </a:r>
+              <a:t>ID client</a:t>
+            </a:r>
+          </a:p>
+        </p:txBody>
+      </p:sp>
+      <p:sp>
+        <p:nvSpPr>
+          <p:cNvPr id="12" name="Flèche : droite 11">
+            <a:extLst>
+              <a:ext uri="{FF2B5EF4-FFF2-40B4-BE49-F238E27FC236}">
+                <a16:creationId xmlns:a16="http://schemas.microsoft.com/office/drawing/2014/main" id="{C8294F94-A741-4294-A090-AEE72B42452D}"/>
+              </a:ext>
+            </a:extLst>
+          </p:cNvPr>
+          <p:cNvSpPr/>
+          <p:nvPr/>
+        </p:nvSpPr>
+        <p:spPr>
+          <a:xfrm>
+            <a:off x="3755255" y="3790139"/>
+            <a:ext cx="878889" cy="284086"/>
+          </a:xfrm>
+          <a:prstGeom prst="rightArrow">
+            <a:avLst/>
+          </a:prstGeom>
+        </p:spPr>
+        <p:style>
+          <a:lnRef idx="2">
+            <a:schemeClr val="dk1">
+              <a:shade val="50000"/>
+            </a:schemeClr>
+          </a:lnRef>
+          <a:fillRef idx="1">
+            <a:schemeClr val="dk1"/>
+          </a:fillRef>
+          <a:effectRef idx="0">
+            <a:schemeClr val="dk1"/>
+          </a:effectRef>
+          <a:fontRef idx="minor">
+            <a:schemeClr val="lt1"/>
+          </a:fontRef>
+        </p:style>
+        <p:txBody>
+          <a:bodyPr rtlCol="0" anchor="ctr"/>
+          <a:lstStyle/>
+          <a:p>
+            <a:pPr algn="ctr"/>
+            <a:endParaRPr lang="fr-FR"/>
+          </a:p>
+        </p:txBody>
+      </p:sp>
+      <p:sp>
+        <p:nvSpPr>
+          <p:cNvPr id="14" name="Flèche : courbe vers le haut 13">
+            <a:extLst>
+              <a:ext uri="{FF2B5EF4-FFF2-40B4-BE49-F238E27FC236}">
+                <a16:creationId xmlns:a16="http://schemas.microsoft.com/office/drawing/2014/main" id="{F6AF41B2-0861-4254-B976-A48526522A73}"/>
+              </a:ext>
+            </a:extLst>
+          </p:cNvPr>
+          <p:cNvSpPr/>
+          <p:nvPr/>
+        </p:nvSpPr>
+        <p:spPr>
+          <a:xfrm>
+            <a:off x="6507333" y="4225145"/>
+            <a:ext cx="1029809" cy="417250"/>
+          </a:xfrm>
+          <a:prstGeom prst="curvedUpArrow">
+            <a:avLst/>
+          </a:prstGeom>
+        </p:spPr>
+        <p:style>
+          <a:lnRef idx="2">
+            <a:schemeClr val="dk1">
+              <a:shade val="50000"/>
+            </a:schemeClr>
+          </a:lnRef>
+          <a:fillRef idx="1">
+            <a:schemeClr val="dk1"/>
+          </a:fillRef>
+          <a:effectRef idx="0">
+            <a:schemeClr val="dk1"/>
+          </a:effectRef>
+          <a:fontRef idx="minor">
+            <a:schemeClr val="lt1"/>
+          </a:fontRef>
+        </p:style>
+        <p:txBody>
+          <a:bodyPr rtlCol="0" anchor="ctr"/>
+          <a:lstStyle/>
+          <a:p>
+            <a:pPr algn="ctr"/>
+            <a:endParaRPr lang="fr-FR">
+              <a:solidFill>
+                <a:schemeClr val="tx1"/>
+              </a:solidFill>
+            </a:endParaRPr>
+          </a:p>
+        </p:txBody>
+      </p:sp>
+      <p:sp>
+        <p:nvSpPr>
+          <p:cNvPr id="16" name="Flèche : courbe vers le bas 15">
+            <a:extLst>
+              <a:ext uri="{FF2B5EF4-FFF2-40B4-BE49-F238E27FC236}">
+                <a16:creationId xmlns:a16="http://schemas.microsoft.com/office/drawing/2014/main" id="{97A3B569-02A1-45E9-8545-9EA0BEB95509}"/>
+              </a:ext>
+            </a:extLst>
+          </p:cNvPr>
+          <p:cNvSpPr/>
+          <p:nvPr/>
+        </p:nvSpPr>
+        <p:spPr>
+          <a:xfrm>
+            <a:off x="6507333" y="3248601"/>
+            <a:ext cx="1029809" cy="417250"/>
+          </a:xfrm>
+          <a:prstGeom prst="curvedDownArrow">
+            <a:avLst/>
+          </a:prstGeom>
+        </p:spPr>
+        <p:style>
+          <a:lnRef idx="2">
+            <a:schemeClr val="dk1">
+              <a:shade val="50000"/>
+            </a:schemeClr>
+          </a:lnRef>
+          <a:fillRef idx="1">
+            <a:schemeClr val="dk1"/>
+          </a:fillRef>
+          <a:effectRef idx="0">
+            <a:schemeClr val="dk1"/>
+          </a:effectRef>
+          <a:fontRef idx="minor">
+            <a:schemeClr val="lt1"/>
+          </a:fontRef>
+        </p:style>
+        <p:txBody>
+          <a:bodyPr rtlCol="0" anchor="ctr"/>
+          <a:lstStyle/>
+          <a:p>
+            <a:pPr algn="ctr"/>
+            <a:endParaRPr lang="fr-FR">
+              <a:solidFill>
+                <a:schemeClr val="tx1"/>
+              </a:solidFill>
+            </a:endParaRPr>
+          </a:p>
+        </p:txBody>
+      </p:sp>
+      <p:sp>
+        <p:nvSpPr>
+          <p:cNvPr id="17" name="Rectangle 16">
+            <a:extLst>
+              <a:ext uri="{FF2B5EF4-FFF2-40B4-BE49-F238E27FC236}">
+                <a16:creationId xmlns:a16="http://schemas.microsoft.com/office/drawing/2014/main" id="{623C3CE9-3C43-4B7F-9445-5F785F819430}"/>
+              </a:ext>
+            </a:extLst>
+          </p:cNvPr>
+          <p:cNvSpPr/>
+          <p:nvPr/>
+        </p:nvSpPr>
+        <p:spPr>
+          <a:xfrm>
+            <a:off x="6420035" y="2055813"/>
+            <a:ext cx="1145219" cy="974028"/>
+          </a:xfrm>
+          <a:prstGeom prst="rect">
+            <a:avLst/>
+          </a:prstGeom>
+        </p:spPr>
+        <p:style>
+          <a:lnRef idx="2">
+            <a:schemeClr val="dk1">
+              <a:shade val="50000"/>
+            </a:schemeClr>
+          </a:lnRef>
+          <a:fillRef idx="1">
+            <a:schemeClr val="dk1"/>
+          </a:fillRef>
+          <a:effectRef idx="0">
+            <a:schemeClr val="dk1"/>
+          </a:effectRef>
+          <a:fontRef idx="minor">
+            <a:schemeClr val="lt1"/>
+          </a:fontRef>
+        </p:style>
+        <p:txBody>
+          <a:bodyPr rtlCol="0" anchor="ctr"/>
+          <a:lstStyle/>
+          <a:p>
+            <a:pPr algn="ctr"/>
+            <a:r>
+              <a:rPr lang="fr-FR" dirty="0"/>
+              <a:t>Prédiction</a:t>
+            </a:r>
+          </a:p>
+        </p:txBody>
+      </p:sp>
+      <p:sp>
+        <p:nvSpPr>
+          <p:cNvPr id="18" name="Rectangle 17">
+            <a:extLst>
+              <a:ext uri="{FF2B5EF4-FFF2-40B4-BE49-F238E27FC236}">
+                <a16:creationId xmlns:a16="http://schemas.microsoft.com/office/drawing/2014/main" id="{0A28E5B1-9D48-4256-8580-CBC825F46B22}"/>
+              </a:ext>
+            </a:extLst>
+          </p:cNvPr>
+          <p:cNvSpPr/>
+          <p:nvPr/>
+        </p:nvSpPr>
+        <p:spPr>
+          <a:xfrm>
+            <a:off x="7838983" y="3110997"/>
+            <a:ext cx="1305018" cy="1358284"/>
+          </a:xfrm>
+          <a:prstGeom prst="rect">
+            <a:avLst/>
+          </a:prstGeom>
+        </p:spPr>
+        <p:style>
+          <a:lnRef idx="2">
+            <a:schemeClr val="dk1">
+              <a:shade val="50000"/>
+            </a:schemeClr>
+          </a:lnRef>
+          <a:fillRef idx="1">
+            <a:schemeClr val="dk1"/>
+          </a:fillRef>
+          <a:effectRef idx="0">
+            <a:schemeClr val="dk1"/>
+          </a:effectRef>
+          <a:fontRef idx="minor">
+            <a:schemeClr val="lt1"/>
+          </a:fontRef>
+        </p:style>
+        <p:txBody>
+          <a:bodyPr rtlCol="0" anchor="ctr"/>
+          <a:lstStyle/>
+          <a:p>
+            <a:pPr algn="ctr"/>
+            <a:r>
+              <a:rPr lang="fr-FR" dirty="0"/>
+              <a:t>rendu graphique des éléments </a:t>
+            </a:r>
+          </a:p>
+        </p:txBody>
+      </p:sp>
+      <p:pic>
+        <p:nvPicPr>
+          <p:cNvPr id="19" name="Picture 4" descr="Brand • Streamlit">
+            <a:extLst>
+              <a:ext uri="{FF2B5EF4-FFF2-40B4-BE49-F238E27FC236}">
+                <a16:creationId xmlns:a16="http://schemas.microsoft.com/office/drawing/2014/main" id="{4153E907-51A8-4074-8743-EBE50818F149}"/>
+              </a:ext>
+            </a:extLst>
+          </p:cNvPr>
+          <p:cNvPicPr>
+            <a:picLocks noChangeAspect="1" noChangeArrowheads="1"/>
+          </p:cNvPicPr>
+          <p:nvPr/>
+        </p:nvPicPr>
+        <p:blipFill>
+          <a:blip r:embed="rId2">
+            <a:extLst>
+              <a:ext uri="{28A0092B-C50C-407E-A947-70E740481C1C}">
+                <a14:useLocalDpi xmlns:a14="http://schemas.microsoft.com/office/drawing/2010/main" val="0"/>
+              </a:ext>
+            </a:extLst>
+          </a:blip>
+          <a:srcRect/>
+          <a:stretch>
+            <a:fillRect/>
+          </a:stretch>
+        </p:blipFill>
+        <p:spPr bwMode="auto">
+          <a:xfrm>
+            <a:off x="7838983" y="2347498"/>
+            <a:ext cx="1305018" cy="763499"/>
+          </a:xfrm>
+          <a:prstGeom prst="rect">
+            <a:avLst/>
+          </a:prstGeom>
+          <a:noFill/>
+          <a:extLst>
+            <a:ext uri="{909E8E84-426E-40DD-AFC4-6F175D3DCCD1}">
+              <a14:hiddenFill xmlns:a14="http://schemas.microsoft.com/office/drawing/2010/main">
+                <a:solidFill>
+                  <a:srgbClr val="FFFFFF"/>
+                </a:solidFill>
+              </a14:hiddenFill>
+            </a:ext>
+          </a:extLst>
+        </p:spPr>
+      </p:pic>
+      <p:sp>
+        <p:nvSpPr>
+          <p:cNvPr id="20" name="Rectangle 19">
+            <a:extLst>
+              <a:ext uri="{FF2B5EF4-FFF2-40B4-BE49-F238E27FC236}">
+                <a16:creationId xmlns:a16="http://schemas.microsoft.com/office/drawing/2014/main" id="{7517FA17-A7BE-4A0E-A26E-F2254CDF93B4}"/>
+              </a:ext>
+            </a:extLst>
+          </p:cNvPr>
+          <p:cNvSpPr/>
+          <p:nvPr/>
+        </p:nvSpPr>
+        <p:spPr>
+          <a:xfrm>
+            <a:off x="6178859" y="4831028"/>
+            <a:ext cx="1633491" cy="763499"/>
+          </a:xfrm>
+          <a:prstGeom prst="rect">
+            <a:avLst/>
+          </a:prstGeom>
+        </p:spPr>
+        <p:style>
+          <a:lnRef idx="2">
+            <a:schemeClr val="dk1">
+              <a:shade val="50000"/>
+            </a:schemeClr>
+          </a:lnRef>
+          <a:fillRef idx="1">
+            <a:schemeClr val="dk1"/>
+          </a:fillRef>
+          <a:effectRef idx="0">
+            <a:schemeClr val="dk1"/>
+          </a:effectRef>
+          <a:fontRef idx="minor">
+            <a:schemeClr val="lt1"/>
+          </a:fontRef>
+        </p:style>
+        <p:txBody>
+          <a:bodyPr rtlCol="0" anchor="ctr"/>
+          <a:lstStyle/>
+          <a:p>
+            <a:pPr algn="ctr"/>
+            <a:r>
+              <a:rPr lang="fr-FR" dirty="0"/>
+              <a:t>Interprétation locale</a:t>
+            </a:r>
+          </a:p>
+        </p:txBody>
+      </p:sp>
+      <p:sp>
+        <p:nvSpPr>
+          <p:cNvPr id="21" name="Rectangle 20">
+            <a:extLst>
+              <a:ext uri="{FF2B5EF4-FFF2-40B4-BE49-F238E27FC236}">
+                <a16:creationId xmlns:a16="http://schemas.microsoft.com/office/drawing/2014/main" id="{C4C400E1-172E-4286-AD7E-656A2A9A90AF}"/>
+              </a:ext>
+            </a:extLst>
+          </p:cNvPr>
+          <p:cNvSpPr/>
+          <p:nvPr/>
+        </p:nvSpPr>
+        <p:spPr>
+          <a:xfrm>
+            <a:off x="6566517" y="3728963"/>
+            <a:ext cx="911440" cy="454959"/>
+          </a:xfrm>
+          <a:prstGeom prst="rect">
+            <a:avLst/>
+          </a:prstGeom>
+        </p:spPr>
+        <p:style>
+          <a:lnRef idx="2">
+            <a:schemeClr val="dk1">
+              <a:shade val="50000"/>
+            </a:schemeClr>
+          </a:lnRef>
+          <a:fillRef idx="1">
+            <a:schemeClr val="dk1"/>
+          </a:fillRef>
+          <a:effectRef idx="0">
+            <a:schemeClr val="dk1"/>
+          </a:effectRef>
+          <a:fontRef idx="minor">
+            <a:schemeClr val="lt1"/>
+          </a:fontRef>
+        </p:style>
+        <p:txBody>
+          <a:bodyPr rtlCol="0" anchor="ctr"/>
+          <a:lstStyle/>
+          <a:p>
+            <a:pPr algn="ctr"/>
+            <a:r>
+              <a:rPr lang="fr-FR" dirty="0"/>
+              <a:t>Format </a:t>
+            </a:r>
+            <a:r>
+              <a:rPr lang="fr-FR" dirty="0" err="1"/>
+              <a:t>Json</a:t>
+            </a:r>
+            <a:endParaRPr lang="fr-FR" dirty="0"/>
           </a:p>
         </p:txBody>
       </p:sp>
@@ -6794,7 +7278,7 @@
           <a:lstStyle/>
           <a:p>
             <a:pPr algn="ctr"/>
-            <a:endParaRPr lang="fr-FR"/>
+            <a:endParaRPr lang="fr-FR" dirty="0"/>
           </a:p>
         </p:txBody>
       </p:sp>
@@ -6833,6 +7317,92 @@
           </a:p>
         </p:txBody>
       </p:sp>
+      <p:sp>
+        <p:nvSpPr>
+          <p:cNvPr id="6" name="ZoneTexte 5">
+            <a:extLst>
+              <a:ext uri="{FF2B5EF4-FFF2-40B4-BE49-F238E27FC236}">
+                <a16:creationId xmlns:a16="http://schemas.microsoft.com/office/drawing/2014/main" id="{263C6DF8-8731-4AD1-BAEF-3427CF7579DC}"/>
+              </a:ext>
+            </a:extLst>
+          </p:cNvPr>
+          <p:cNvSpPr txBox="1"/>
+          <p:nvPr/>
+        </p:nvSpPr>
+        <p:spPr>
+          <a:xfrm>
+            <a:off x="1361984" y="1690688"/>
+            <a:ext cx="8968674" cy="307777"/>
+          </a:xfrm>
+          <a:prstGeom prst="rect">
+            <a:avLst/>
+          </a:prstGeom>
+          <a:noFill/>
+        </p:spPr>
+        <p:txBody>
+          <a:bodyPr wrap="none" rtlCol="0">
+            <a:spAutoFit/>
+          </a:bodyPr>
+          <a:lstStyle/>
+          <a:p>
+            <a:r>
+              <a:rPr lang="fr-FR" sz="1400" dirty="0"/>
+              <a:t>Lien pour accéder au </a:t>
+            </a:r>
+            <a:r>
+              <a:rPr lang="fr-FR" sz="1400" dirty="0" err="1"/>
+              <a:t>dashboard</a:t>
+            </a:r>
+            <a:r>
+              <a:rPr lang="fr-FR" sz="1400" dirty="0"/>
+              <a:t> : </a:t>
+            </a:r>
+            <a:r>
+              <a:rPr lang="fr-FR" sz="1400" b="1" u="sng" dirty="0">
+                <a:solidFill>
+                  <a:srgbClr val="0563C1"/>
+                </a:solidFill>
+                <a:effectLst/>
+                <a:latin typeface="Calibri" panose="020F0502020204030204" pitchFamily="34" charset="0"/>
+                <a:ea typeface="Calibri" panose="020F0502020204030204" pitchFamily="34" charset="0"/>
+                <a:cs typeface="Times New Roman" panose="02020603050405020304" pitchFamily="18" charset="0"/>
+                <a:hlinkClick r:id="rId2"/>
+              </a:rPr>
+              <a:t>https://share.streamlit.io/pbonte92/p7_paul_bonte/main/dashboard/dashboard.py</a:t>
+            </a:r>
+            <a:endParaRPr lang="fr-FR" sz="1400" dirty="0"/>
+          </a:p>
+        </p:txBody>
+      </p:sp>
+      <p:pic>
+        <p:nvPicPr>
+          <p:cNvPr id="5" name="Image 4">
+            <a:extLst>
+              <a:ext uri="{FF2B5EF4-FFF2-40B4-BE49-F238E27FC236}">
+                <a16:creationId xmlns:a16="http://schemas.microsoft.com/office/drawing/2014/main" id="{77CF6925-9B49-46DE-83A1-4C4C1F516D00}"/>
+              </a:ext>
+            </a:extLst>
+          </p:cNvPr>
+          <p:cNvPicPr>
+            <a:picLocks noChangeAspect="1"/>
+          </p:cNvPicPr>
+          <p:nvPr/>
+        </p:nvPicPr>
+        <p:blipFill rotWithShape="1">
+          <a:blip r:embed="rId3"/>
+          <a:srcRect r="11054"/>
+          <a:stretch/>
+        </p:blipFill>
+        <p:spPr>
+          <a:xfrm>
+            <a:off x="1988598" y="2055813"/>
+            <a:ext cx="6693763" cy="4030519"/>
+          </a:xfrm>
+          <a:prstGeom prst="rect">
+            <a:avLst/>
+          </a:prstGeom>
+        </p:spPr>
+      </p:pic>
     </p:spTree>
     <p:extLst>
       <p:ext uri="{BB962C8B-B14F-4D97-AF65-F5344CB8AC3E}">
